--- a/journal club/2021.11.23/NLI Data Sanity Check Assessing the Effect of.pptx
+++ b/journal club/2021.11.23/NLI Data Sanity Check Assessing the Effect of.pptx
@@ -212,7 +212,7 @@
           <a:p>
             <a:fld id="{EDBCBE74-8F38-4060-AC3A-F41FE2E451DA}" type="datetimeFigureOut">
               <a:rPr lang="zh-CN" altLang="en-US" smtClean="0"/>
-              <a:t>2021/11/23</a:t>
+              <a:t>2021/12/14</a:t>
             </a:fld>
             <a:endParaRPr lang="zh-CN" altLang="en-US"/>
           </a:p>
@@ -546,7 +546,11 @@
             </a:r>
             <a:r>
               <a:rPr lang="zh-CN" altLang="en-US" baseline="0" smtClean="0"/>
-              <a:t>中需要进行解释意义的论证</a:t>
+              <a:t>中需要进行解释意义的论</a:t>
+            </a:r>
+            <a:r>
+              <a:rPr lang="zh-CN" altLang="en-US" baseline="0" smtClean="0"/>
+              <a:t>证，关于对同等条件下的删除选择，如何保证对本文语义损坏最小。</a:t>
             </a:r>
             <a:endParaRPr lang="zh-CN" altLang="en-US"/>
           </a:p>
@@ -825,11 +829,7 @@
             </a:r>
             <a:r>
               <a:rPr lang="zh-CN" altLang="en-US" smtClean="0"/>
-              <a:t>）</a:t>
-            </a:r>
-            <a:r>
-              <a:rPr lang="zh-CN" altLang="en-US" smtClean="0"/>
-              <a:t>然后是</a:t>
+              <a:t>）然后是</a:t>
             </a:r>
             <a:r>
               <a:rPr lang="en-US" altLang="zh-CN" smtClean="0"/>
@@ -837,17 +837,12 @@
             </a:r>
             <a:r>
               <a:rPr lang="zh-CN" altLang="en-US" smtClean="0"/>
-              <a:t>。因此，我们可以发现</a:t>
-            </a:r>
-            <a:r>
-              <a:rPr lang="zh-CN" altLang="en-US" smtClean="0"/>
-              <a:t>：</a:t>
+              <a:t>。因此，我们可以发现：</a:t>
             </a:r>
             <a:r>
               <a:rPr lang="en-US" altLang="zh-CN" smtClean="0"/>
               <a:t>the number of nouns is 4.5 times higher than the number of adverbs in the dataset, suggesting that the latter have a larger impact on NLI prediction. </a:t>
             </a:r>
-            <a:endParaRPr lang="en-US" altLang="zh-CN" smtClean="0"/>
           </a:p>
         </p:txBody>
       </p:sp>
@@ -945,15 +940,7 @@
             </a:r>
             <a:r>
               <a:rPr lang="en-US" altLang="zh-CN" smtClean="0"/>
-              <a:t>(</a:t>
-            </a:r>
-            <a:r>
-              <a:rPr lang="en-US" altLang="zh-CN" smtClean="0"/>
-              <a:t>systematic data corruption </a:t>
-            </a:r>
-            <a:r>
-              <a:rPr lang="en-US" altLang="zh-CN" smtClean="0"/>
-              <a:t>)</a:t>
+              <a:t>(systematic data corruption )</a:t>
             </a:r>
             <a:r>
               <a:rPr lang="zh-CN" altLang="en-US" smtClean="0"/>
@@ -1000,15 +987,7 @@
             </a:r>
             <a:r>
               <a:rPr lang="en-US" altLang="zh-CN" smtClean="0"/>
-              <a:t>where </a:t>
-            </a:r>
-            <a:r>
-              <a:rPr lang="en-US" altLang="zh-CN" smtClean="0"/>
-              <a:t>(-NOUNS, -VERBS) was </a:t>
-            </a:r>
-            <a:r>
-              <a:rPr lang="en-US" altLang="zh-CN" smtClean="0"/>
-              <a:t> removed . </a:t>
+              <a:t>where (-NOUNS, -VERBS) was  removed . </a:t>
             </a:r>
           </a:p>
           <a:p>
@@ -1685,8 +1664,18 @@
             </a:r>
             <a:r>
               <a:rPr lang="zh-CN" altLang="en-US" smtClean="0"/>
-              <a:t>，我首先会向大家介绍什么是数据损坏，然后是这篇论文使用的实验方法，验证损坏的数据对模型有什么影响，然后是关于实验的结果最后是结论。</a:t>
-            </a:r>
+              <a:t>，我首先会向大家介绍什么是数据损坏，然后是这篇论文使用的实验方法，验证损坏的数据对模型有什么影响，然后是关于实验的结果最后是结论</a:t>
+            </a:r>
+            <a:r>
+              <a:rPr lang="zh-CN" altLang="en-US" smtClean="0"/>
+              <a:t>。</a:t>
+            </a:r>
+            <a:endParaRPr lang="en-US" altLang="zh-CN" smtClean="0"/>
+          </a:p>
+          <a:p>
+            <a:endParaRPr lang="en-US" altLang="zh-CN" smtClean="0"/>
+          </a:p>
+          <a:p>
             <a:endParaRPr lang="zh-CN" altLang="en-US"/>
           </a:p>
         </p:txBody>
@@ -2896,7 +2885,7 @@
           <a:p>
             <a:fld id="{CE31AC68-B7C3-4E2D-8996-1BF847B1C179}" type="datetimeFigureOut">
               <a:rPr lang="zh-CN" altLang="en-US" smtClean="0"/>
-              <a:t>2021/11/23</a:t>
+              <a:t>2021/12/14</a:t>
             </a:fld>
             <a:endParaRPr lang="zh-CN" altLang="en-US"/>
           </a:p>
@@ -3066,7 +3055,7 @@
           <a:p>
             <a:fld id="{CE31AC68-B7C3-4E2D-8996-1BF847B1C179}" type="datetimeFigureOut">
               <a:rPr lang="zh-CN" altLang="en-US" smtClean="0"/>
-              <a:t>2021/11/23</a:t>
+              <a:t>2021/12/14</a:t>
             </a:fld>
             <a:endParaRPr lang="zh-CN" altLang="en-US"/>
           </a:p>
@@ -3246,7 +3235,7 @@
           <a:p>
             <a:fld id="{CE31AC68-B7C3-4E2D-8996-1BF847B1C179}" type="datetimeFigureOut">
               <a:rPr lang="zh-CN" altLang="en-US" smtClean="0"/>
-              <a:t>2021/11/23</a:t>
+              <a:t>2021/12/14</a:t>
             </a:fld>
             <a:endParaRPr lang="zh-CN" altLang="en-US"/>
           </a:p>
@@ -3341,7 +3330,7 @@
           <a:p>
             <a:fld id="{6A9DCC55-4365-4191-9505-359BE1776760}" type="datetimeFigureOut">
               <a:rPr lang="ko-KR" altLang="en-US" smtClean="0"/>
-              <a:t>2021-11-23</a:t>
+              <a:t>2021-12-14</a:t>
             </a:fld>
             <a:endParaRPr lang="ko-KR" altLang="en-US"/>
           </a:p>
@@ -3509,7 +3498,7 @@
             <a:fld id="{32551C70-1C34-4942-BA7C-72F98C1B9E00}" type="datetimeFigureOut">
               <a:rPr lang="ko-KR" altLang="en-US" smtClean="0"/>
               <a:pPr/>
-              <a:t>2021-11-23</a:t>
+              <a:t>2021-12-14</a:t>
             </a:fld>
             <a:endParaRPr lang="ko-KR" altLang="en-US"/>
           </a:p>
@@ -3761,7 +3750,7 @@
             <a:fld id="{32551C70-1C34-4942-BA7C-72F98C1B9E00}" type="datetimeFigureOut">
               <a:rPr lang="ko-KR" altLang="en-US" smtClean="0"/>
               <a:pPr/>
-              <a:t>2021-11-23</a:t>
+              <a:t>2021-12-14</a:t>
             </a:fld>
             <a:endParaRPr lang="ko-KR" altLang="en-US"/>
           </a:p>
@@ -3989,14 +3978,14 @@
           </a:ln>
           <a:extLst>
             <a:ext uri="{909E8E84-426E-40dd-AFC4-6F175D3DCCD1}">
-              <a14:hiddenFill xmlns:a14="http://schemas.microsoft.com/office/drawing/2010/main" xmlns="">
+              <a14:hiddenFill xmlns="" xmlns:a14="http://schemas.microsoft.com/office/drawing/2010/main">
                 <a:solidFill>
                   <a:schemeClr val="accent1"/>
                 </a:solidFill>
               </a14:hiddenFill>
             </a:ext>
             <a:ext uri="{91240B29-F687-4f45-9708-019B960494DF}">
-              <a14:hiddenLine xmlns:a14="http://schemas.microsoft.com/office/drawing/2010/main" xmlns="" w="9525">
+              <a14:hiddenLine xmlns="" xmlns:a14="http://schemas.microsoft.com/office/drawing/2010/main" w="9525">
                 <a:solidFill>
                   <a:schemeClr val="tx1"/>
                 </a:solidFill>
@@ -4242,7 +4231,7 @@
           <a:p>
             <a:fld id="{CE31AC68-B7C3-4E2D-8996-1BF847B1C179}" type="datetimeFigureOut">
               <a:rPr lang="zh-CN" altLang="en-US" smtClean="0"/>
-              <a:t>2021/11/23</a:t>
+              <a:t>2021/12/14</a:t>
             </a:fld>
             <a:endParaRPr lang="zh-CN" altLang="en-US"/>
           </a:p>
@@ -4488,7 +4477,7 @@
           <a:p>
             <a:fld id="{CE31AC68-B7C3-4E2D-8996-1BF847B1C179}" type="datetimeFigureOut">
               <a:rPr lang="zh-CN" altLang="en-US" smtClean="0"/>
-              <a:t>2021/11/23</a:t>
+              <a:t>2021/12/14</a:t>
             </a:fld>
             <a:endParaRPr lang="zh-CN" altLang="en-US"/>
           </a:p>
@@ -4720,7 +4709,7 @@
           <a:p>
             <a:fld id="{CE31AC68-B7C3-4E2D-8996-1BF847B1C179}" type="datetimeFigureOut">
               <a:rPr lang="zh-CN" altLang="en-US" smtClean="0"/>
-              <a:t>2021/11/23</a:t>
+              <a:t>2021/12/14</a:t>
             </a:fld>
             <a:endParaRPr lang="zh-CN" altLang="en-US"/>
           </a:p>
@@ -5087,7 +5076,7 @@
           <a:p>
             <a:fld id="{CE31AC68-B7C3-4E2D-8996-1BF847B1C179}" type="datetimeFigureOut">
               <a:rPr lang="zh-CN" altLang="en-US" smtClean="0"/>
-              <a:t>2021/11/23</a:t>
+              <a:t>2021/12/14</a:t>
             </a:fld>
             <a:endParaRPr lang="zh-CN" altLang="en-US"/>
           </a:p>
@@ -5205,7 +5194,7 @@
           <a:p>
             <a:fld id="{CE31AC68-B7C3-4E2D-8996-1BF847B1C179}" type="datetimeFigureOut">
               <a:rPr lang="zh-CN" altLang="en-US" smtClean="0"/>
-              <a:t>2021/11/23</a:t>
+              <a:t>2021/12/14</a:t>
             </a:fld>
             <a:endParaRPr lang="zh-CN" altLang="en-US"/>
           </a:p>
@@ -5300,7 +5289,7 @@
           <a:p>
             <a:fld id="{CE31AC68-B7C3-4E2D-8996-1BF847B1C179}" type="datetimeFigureOut">
               <a:rPr lang="zh-CN" altLang="en-US" smtClean="0"/>
-              <a:t>2021/11/23</a:t>
+              <a:t>2021/12/14</a:t>
             </a:fld>
             <a:endParaRPr lang="zh-CN" altLang="en-US"/>
           </a:p>
@@ -5577,7 +5566,7 @@
           <a:p>
             <a:fld id="{CE31AC68-B7C3-4E2D-8996-1BF847B1C179}" type="datetimeFigureOut">
               <a:rPr lang="zh-CN" altLang="en-US" smtClean="0"/>
-              <a:t>2021/11/23</a:t>
+              <a:t>2021/12/14</a:t>
             </a:fld>
             <a:endParaRPr lang="zh-CN" altLang="en-US"/>
           </a:p>
@@ -5830,7 +5819,7 @@
           <a:p>
             <a:fld id="{CE31AC68-B7C3-4E2D-8996-1BF847B1C179}" type="datetimeFigureOut">
               <a:rPr lang="zh-CN" altLang="en-US" smtClean="0"/>
-              <a:t>2021/11/23</a:t>
+              <a:t>2021/12/14</a:t>
             </a:fld>
             <a:endParaRPr lang="zh-CN" altLang="en-US"/>
           </a:p>
@@ -6043,7 +6032,7 @@
           <a:p>
             <a:fld id="{CE31AC68-B7C3-4E2D-8996-1BF847B1C179}" type="datetimeFigureOut">
               <a:rPr lang="zh-CN" altLang="en-US" smtClean="0"/>
-              <a:t>2021/11/23</a:t>
+              <a:t>2021/12/14</a:t>
             </a:fld>
             <a:endParaRPr lang="zh-CN" altLang="en-US"/>
           </a:p>
